--- a/3-NLTK/Presentation.pptx
+++ b/3-NLTK/Presentation.pptx
@@ -2,7 +2,7 @@
 <file path=ppt/presentation.xml><?xml version="1.0" encoding="utf-8"?>
 <p:presentation xmlns:a="http://schemas.openxmlformats.org/drawingml/2006/main" xmlns:r="http://schemas.openxmlformats.org/officeDocument/2006/relationships" xmlns:p="http://schemas.openxmlformats.org/presentationml/2006/main" saveSubsetFonts="1" autoCompressPictures="0">
   <p:sldMasterIdLst>
-    <p:sldMasterId id="2147484379" r:id="rId1"/>
+    <p:sldMasterId id="2147484391" r:id="rId1"/>
   </p:sldMasterIdLst>
   <p:notesMasterIdLst>
     <p:notesMasterId r:id="rId14"/>
@@ -18,8 +18,8 @@
     <p:sldId id="257" r:id="rId9"/>
     <p:sldId id="265" r:id="rId10"/>
     <p:sldId id="266" r:id="rId11"/>
-    <p:sldId id="259" r:id="rId12"/>
-    <p:sldId id="267" r:id="rId13"/>
+    <p:sldId id="267" r:id="rId12"/>
+    <p:sldId id="259" r:id="rId13"/>
   </p:sldIdLst>
   <p:sldSz cx="9144000" cy="6858000" type="screen4x3"/>
   <p:notesSz cx="6858000" cy="9144000"/>
@@ -744,19 +744,30 @@
         </p:nvSpPr>
         <p:spPr>
           <a:xfrm>
-            <a:off x="685800" y="2130425"/>
-            <a:ext cx="7772400" cy="1470025"/>
+            <a:off x="685800" y="1905000"/>
+            <a:ext cx="7543800" cy="2593975"/>
           </a:xfrm>
         </p:spPr>
         <p:txBody>
-          <a:bodyPr/>
-          <a:lstStyle/>
+          <a:bodyPr anchor="b"/>
+          <a:lstStyle>
+            <a:lvl1pPr>
+              <a:defRPr sz="6600">
+                <a:ln>
+                  <a:noFill/>
+                </a:ln>
+                <a:solidFill>
+                  <a:schemeClr val="tx2"/>
+                </a:solidFill>
+              </a:defRPr>
+            </a:lvl1pPr>
+          </a:lstStyle>
           <a:p>
             <a:r>
               <a:rPr lang="en-US" smtClean="0"/>
               <a:t>Click to edit Master title style</a:t>
             </a:r>
-            <a:endParaRPr lang="en-US"/>
+            <a:endParaRPr lang="en-US" dirty="0"/>
           </a:p>
         </p:txBody>
       </p:sp>
@@ -772,16 +783,18 @@
         </p:nvSpPr>
         <p:spPr>
           <a:xfrm>
-            <a:off x="1371600" y="3886200"/>
-            <a:ext cx="6400800" cy="1752600"/>
+            <a:off x="685800" y="4572000"/>
+            <a:ext cx="6461760" cy="1066800"/>
           </a:xfrm>
         </p:spPr>
         <p:txBody>
-          <a:bodyPr/>
+          <a:bodyPr anchor="t">
+            <a:normAutofit/>
+          </a:bodyPr>
           <a:lstStyle>
-            <a:lvl1pPr marL="0" indent="0" algn="ctr">
-              <a:buNone/>
-              <a:defRPr>
+            <a:lvl1pPr marL="0" indent="0" algn="l">
+              <a:buNone/>
+              <a:defRPr sz="2000">
                 <a:solidFill>
                   <a:schemeClr val="tx1">
                     <a:tint val="75000"/>
@@ -875,7 +888,7 @@
               <a:rPr lang="en-US" smtClean="0"/>
               <a:t>Click to edit Master subtitle style</a:t>
             </a:r>
-            <a:endParaRPr lang="en-US"/>
+            <a:endParaRPr lang="en-US" dirty="0"/>
           </a:p>
         </p:txBody>
       </p:sp>
@@ -946,11 +959,6 @@
         </p:txBody>
       </p:sp>
     </p:spTree>
-    <p:extLst>
-      <p:ext uri="{BB962C8B-B14F-4D97-AF65-F5344CB8AC3E}">
-        <p14:creationId xmlns:p14="http://schemas.microsoft.com/office/powerpoint/2010/main" val="1755455005"/>
-      </p:ext>
-    </p:extLst>
   </p:cSld>
   <p:clrMapOvr>
     <a:masterClrMapping/>
@@ -1116,11 +1124,6 @@
         </p:txBody>
       </p:sp>
     </p:spTree>
-    <p:extLst>
-      <p:ext uri="{BB962C8B-B14F-4D97-AF65-F5344CB8AC3E}">
-        <p14:creationId xmlns:p14="http://schemas.microsoft.com/office/powerpoint/2010/main" val="3576576528"/>
-      </p:ext>
-    </p:extLst>
   </p:cSld>
   <p:clrMapOvr>
     <a:masterClrMapping/>
@@ -1158,18 +1161,18 @@
         <p:spPr>
           <a:xfrm>
             <a:off x="6629400" y="274638"/>
-            <a:ext cx="2057400" cy="5851525"/>
+            <a:ext cx="1752600" cy="5851525"/>
           </a:xfrm>
         </p:spPr>
         <p:txBody>
-          <a:bodyPr vert="eaVert"/>
+          <a:bodyPr vert="eaVert" anchor="b" anchorCtr="0"/>
           <a:lstStyle/>
           <a:p>
             <a:r>
               <a:rPr lang="en-US" smtClean="0"/>
               <a:t>Click to edit Master title style</a:t>
             </a:r>
-            <a:endParaRPr lang="en-US"/>
+            <a:endParaRPr lang="en-US" dirty="0"/>
           </a:p>
         </p:txBody>
       </p:sp>
@@ -1296,11 +1299,6 @@
         </p:txBody>
       </p:sp>
     </p:spTree>
-    <p:extLst>
-      <p:ext uri="{BB962C8B-B14F-4D97-AF65-F5344CB8AC3E}">
-        <p14:creationId xmlns:p14="http://schemas.microsoft.com/office/powerpoint/2010/main" val="541171863"/>
-      </p:ext>
-    </p:extLst>
   </p:cSld>
   <p:clrMapOvr>
     <a:masterClrMapping/>
@@ -1466,11 +1464,6 @@
         </p:txBody>
       </p:sp>
     </p:spTree>
-    <p:extLst>
-      <p:ext uri="{BB962C8B-B14F-4D97-AF65-F5344CB8AC3E}">
-        <p14:creationId xmlns:p14="http://schemas.microsoft.com/office/powerpoint/2010/main" val="2271950044"/>
-      </p:ext>
-    </p:extLst>
   </p:cSld>
   <p:clrMapOvr>
     <a:masterClrMapping/>
@@ -1507,15 +1500,15 @@
         </p:nvSpPr>
         <p:spPr>
           <a:xfrm>
-            <a:off x="722313" y="4406900"/>
-            <a:ext cx="7772400" cy="1362075"/>
+            <a:off x="722313" y="5486400"/>
+            <a:ext cx="7659687" cy="1168400"/>
           </a:xfrm>
         </p:spPr>
         <p:txBody>
           <a:bodyPr anchor="t"/>
           <a:lstStyle>
             <a:lvl1pPr algn="l">
-              <a:defRPr sz="4000" b="1" cap="all"/>
+              <a:defRPr sz="3600" b="0" cap="all"/>
             </a:lvl1pPr>
           </a:lstStyle>
           <a:p>
@@ -1523,7 +1516,7 @@
               <a:rPr lang="en-US" smtClean="0"/>
               <a:t>Click to edit Master title style</a:t>
             </a:r>
-            <a:endParaRPr lang="en-US"/>
+            <a:endParaRPr lang="en-US" dirty="0"/>
           </a:p>
         </p:txBody>
       </p:sp>
@@ -1539,8 +1532,8 @@
         </p:nvSpPr>
         <p:spPr>
           <a:xfrm>
-            <a:off x="722313" y="2906713"/>
-            <a:ext cx="7772400" cy="1500187"/>
+            <a:off x="722313" y="3852863"/>
+            <a:ext cx="6135687" cy="1633538"/>
           </a:xfrm>
         </p:spPr>
         <p:txBody>
@@ -1714,11 +1707,6 @@
         </p:txBody>
       </p:sp>
     </p:spTree>
-    <p:extLst>
-      <p:ext uri="{BB962C8B-B14F-4D97-AF65-F5344CB8AC3E}">
-        <p14:creationId xmlns:p14="http://schemas.microsoft.com/office/powerpoint/2010/main" val="2114091533"/>
-      </p:ext>
-    </p:extLst>
   </p:cSld>
   <p:clrMapOvr>
     <a:masterClrMapping/>
@@ -1778,8 +1766,8 @@
         </p:nvSpPr>
         <p:spPr>
           <a:xfrm>
-            <a:off x="457200" y="1600200"/>
-            <a:ext cx="4038600" cy="4525963"/>
+            <a:off x="457200" y="1536192"/>
+            <a:ext cx="3657600" cy="4590288"/>
           </a:xfrm>
         </p:spPr>
         <p:txBody>
@@ -1847,7 +1835,7 @@
               <a:rPr lang="en-US" smtClean="0"/>
               <a:t>Fifth level</a:t>
             </a:r>
-            <a:endParaRPr lang="en-US"/>
+            <a:endParaRPr lang="en-US" dirty="0"/>
           </a:p>
         </p:txBody>
       </p:sp>
@@ -1863,8 +1851,8 @@
         </p:nvSpPr>
         <p:spPr>
           <a:xfrm>
-            <a:off x="4648200" y="1600200"/>
-            <a:ext cx="4038600" cy="4525963"/>
+            <a:off x="4419600" y="1536192"/>
+            <a:ext cx="3657600" cy="4590288"/>
           </a:xfrm>
         </p:spPr>
         <p:txBody>
@@ -1932,7 +1920,7 @@
               <a:rPr lang="en-US" smtClean="0"/>
               <a:t>Fifth level</a:t>
             </a:r>
-            <a:endParaRPr lang="en-US"/>
+            <a:endParaRPr lang="en-US" dirty="0"/>
           </a:p>
         </p:txBody>
       </p:sp>
@@ -2002,11 +1990,6 @@
         </p:txBody>
       </p:sp>
     </p:spTree>
-    <p:extLst>
-      <p:ext uri="{BB962C8B-B14F-4D97-AF65-F5344CB8AC3E}">
-        <p14:creationId xmlns:p14="http://schemas.microsoft.com/office/powerpoint/2010/main" val="1147613688"/>
-      </p:ext>
-    </p:extLst>
   </p:cSld>
   <p:clrMapOvr>
     <a:masterClrMapping/>
@@ -2071,15 +2054,21 @@
         <p:spPr>
           <a:xfrm>
             <a:off x="457200" y="1535113"/>
-            <a:ext cx="4040188" cy="639762"/>
+            <a:ext cx="3657600" cy="639762"/>
           </a:xfrm>
         </p:spPr>
         <p:txBody>
-          <a:bodyPr anchor="b"/>
+          <a:bodyPr anchor="b">
+            <a:noAutofit/>
+          </a:bodyPr>
           <a:lstStyle>
-            <a:lvl1pPr marL="0" indent="0">
-              <a:buNone/>
-              <a:defRPr sz="2400" b="1"/>
+            <a:lvl1pPr marL="0" indent="0" algn="ctr">
+              <a:buNone/>
+              <a:defRPr sz="2000" b="1">
+                <a:solidFill>
+                  <a:schemeClr val="tx2"/>
+                </a:solidFill>
+              </a:defRPr>
             </a:lvl1pPr>
             <a:lvl2pPr marL="457200" indent="0">
               <a:buNone/>
@@ -2136,7 +2125,7 @@
         <p:spPr>
           <a:xfrm>
             <a:off x="457200" y="2174875"/>
-            <a:ext cx="4040188" cy="3951288"/>
+            <a:ext cx="3657600" cy="3951288"/>
           </a:xfrm>
         </p:spPr>
         <p:txBody>
@@ -2204,7 +2193,7 @@
               <a:rPr lang="en-US" smtClean="0"/>
               <a:t>Fifth level</a:t>
             </a:r>
-            <a:endParaRPr lang="en-US"/>
+            <a:endParaRPr lang="en-US" dirty="0"/>
           </a:p>
         </p:txBody>
       </p:sp>
@@ -2220,16 +2209,22 @@
         </p:nvSpPr>
         <p:spPr>
           <a:xfrm>
-            <a:off x="4645025" y="1535113"/>
-            <a:ext cx="4041775" cy="639762"/>
+            <a:off x="4419600" y="1535113"/>
+            <a:ext cx="3657600" cy="639762"/>
           </a:xfrm>
         </p:spPr>
         <p:txBody>
-          <a:bodyPr anchor="b"/>
+          <a:bodyPr anchor="b">
+            <a:noAutofit/>
+          </a:bodyPr>
           <a:lstStyle>
-            <a:lvl1pPr marL="0" indent="0">
-              <a:buNone/>
-              <a:defRPr sz="2400" b="1"/>
+            <a:lvl1pPr marL="0" indent="0" algn="ctr">
+              <a:buNone/>
+              <a:defRPr sz="2000" b="1">
+                <a:solidFill>
+                  <a:schemeClr val="tx2"/>
+                </a:solidFill>
+              </a:defRPr>
             </a:lvl1pPr>
             <a:lvl2pPr marL="457200" indent="0">
               <a:buNone/>
@@ -2285,8 +2280,8 @@
         </p:nvSpPr>
         <p:spPr>
           <a:xfrm>
-            <a:off x="4645025" y="2174875"/>
-            <a:ext cx="4041775" cy="3951288"/>
+            <a:off x="4419600" y="2174875"/>
+            <a:ext cx="3657600" cy="3951288"/>
           </a:xfrm>
         </p:spPr>
         <p:txBody>
@@ -2424,11 +2419,6 @@
         </p:txBody>
       </p:sp>
     </p:spTree>
-    <p:extLst>
-      <p:ext uri="{BB962C8B-B14F-4D97-AF65-F5344CB8AC3E}">
-        <p14:creationId xmlns:p14="http://schemas.microsoft.com/office/powerpoint/2010/main" val="3838758530"/>
-      </p:ext>
-    </p:extLst>
   </p:cSld>
   <p:clrMapOvr>
     <a:masterClrMapping/>
@@ -2542,11 +2532,6 @@
         </p:txBody>
       </p:sp>
     </p:spTree>
-    <p:extLst>
-      <p:ext uri="{BB962C8B-B14F-4D97-AF65-F5344CB8AC3E}">
-        <p14:creationId xmlns:p14="http://schemas.microsoft.com/office/powerpoint/2010/main" val="3665077116"/>
-      </p:ext>
-    </p:extLst>
   </p:cSld>
   <p:clrMapOvr>
     <a:masterClrMapping/>
@@ -2637,11 +2622,6 @@
         </p:txBody>
       </p:sp>
     </p:spTree>
-    <p:extLst>
-      <p:ext uri="{BB962C8B-B14F-4D97-AF65-F5344CB8AC3E}">
-        <p14:creationId xmlns:p14="http://schemas.microsoft.com/office/powerpoint/2010/main" val="375946841"/>
-      </p:ext>
-    </p:extLst>
   </p:cSld>
   <p:clrMapOvr>
     <a:masterClrMapping/>
@@ -2678,15 +2658,15 @@
         </p:nvSpPr>
         <p:spPr>
           <a:xfrm>
-            <a:off x="457200" y="273050"/>
-            <a:ext cx="3008313" cy="1162050"/>
+            <a:off x="304801" y="5495544"/>
+            <a:ext cx="7772400" cy="594360"/>
           </a:xfrm>
         </p:spPr>
         <p:txBody>
           <a:bodyPr anchor="b"/>
           <a:lstStyle>
-            <a:lvl1pPr algn="l">
-              <a:defRPr sz="2000" b="1"/>
+            <a:lvl1pPr algn="ctr">
+              <a:defRPr sz="2200" b="1"/>
             </a:lvl1pPr>
           </a:lstStyle>
           <a:p>
@@ -2694,117 +2674,34 @@
               <a:rPr lang="en-US" smtClean="0"/>
               <a:t>Click to edit Master title style</a:t>
             </a:r>
-            <a:endParaRPr lang="en-US"/>
-          </a:p>
-        </p:txBody>
-      </p:sp>
-      <p:sp>
-        <p:nvSpPr>
-          <p:cNvPr id="3" name="Content Placeholder 2"/>
-          <p:cNvSpPr>
-            <a:spLocks noGrp="1"/>
-          </p:cNvSpPr>
-          <p:nvPr>
-            <p:ph idx="1"/>
+            <a:endParaRPr lang="en-US" dirty="0"/>
+          </a:p>
+        </p:txBody>
+      </p:sp>
+      <p:sp>
+        <p:nvSpPr>
+          <p:cNvPr id="4" name="Text Placeholder 3"/>
+          <p:cNvSpPr>
+            <a:spLocks noGrp="1"/>
+          </p:cNvSpPr>
+          <p:nvPr>
+            <p:ph type="body" sz="half" idx="2"/>
           </p:nvPr>
         </p:nvSpPr>
         <p:spPr>
           <a:xfrm>
-            <a:off x="3575050" y="273050"/>
-            <a:ext cx="5111750" cy="5853113"/>
+            <a:off x="304799" y="6096000"/>
+            <a:ext cx="7772401" cy="609600"/>
           </a:xfrm>
         </p:spPr>
         <p:txBody>
-          <a:bodyPr/>
+          <a:bodyPr>
+            <a:normAutofit/>
+          </a:bodyPr>
           <a:lstStyle>
-            <a:lvl1pPr>
-              <a:defRPr sz="3200"/>
-            </a:lvl1pPr>
-            <a:lvl2pPr>
-              <a:defRPr sz="2800"/>
-            </a:lvl2pPr>
-            <a:lvl3pPr>
-              <a:defRPr sz="2400"/>
-            </a:lvl3pPr>
-            <a:lvl4pPr>
-              <a:defRPr sz="2000"/>
-            </a:lvl4pPr>
-            <a:lvl5pPr>
-              <a:defRPr sz="2000"/>
-            </a:lvl5pPr>
-            <a:lvl6pPr>
-              <a:defRPr sz="2000"/>
-            </a:lvl6pPr>
-            <a:lvl7pPr>
-              <a:defRPr sz="2000"/>
-            </a:lvl7pPr>
-            <a:lvl8pPr>
-              <a:defRPr sz="2000"/>
-            </a:lvl8pPr>
-            <a:lvl9pPr>
-              <a:defRPr sz="2000"/>
-            </a:lvl9pPr>
-          </a:lstStyle>
-          <a:p>
-            <a:pPr lvl="0"/>
-            <a:r>
-              <a:rPr lang="en-US" smtClean="0"/>
-              <a:t>Click to edit Master text styles</a:t>
-            </a:r>
-          </a:p>
-          <a:p>
-            <a:pPr lvl="1"/>
-            <a:r>
-              <a:rPr lang="en-US" smtClean="0"/>
-              <a:t>Second level</a:t>
-            </a:r>
-          </a:p>
-          <a:p>
-            <a:pPr lvl="2"/>
-            <a:r>
-              <a:rPr lang="en-US" smtClean="0"/>
-              <a:t>Third level</a:t>
-            </a:r>
-          </a:p>
-          <a:p>
-            <a:pPr lvl="3"/>
-            <a:r>
-              <a:rPr lang="en-US" smtClean="0"/>
-              <a:t>Fourth level</a:t>
-            </a:r>
-          </a:p>
-          <a:p>
-            <a:pPr lvl="4"/>
-            <a:r>
-              <a:rPr lang="en-US" smtClean="0"/>
-              <a:t>Fifth level</a:t>
-            </a:r>
-            <a:endParaRPr lang="en-US"/>
-          </a:p>
-        </p:txBody>
-      </p:sp>
-      <p:sp>
-        <p:nvSpPr>
-          <p:cNvPr id="4" name="Text Placeholder 3"/>
-          <p:cNvSpPr>
-            <a:spLocks noGrp="1"/>
-          </p:cNvSpPr>
-          <p:nvPr>
-            <p:ph type="body" sz="half" idx="2"/>
-          </p:nvPr>
-        </p:nvSpPr>
-        <p:spPr>
-          <a:xfrm>
-            <a:off x="457200" y="1435100"/>
-            <a:ext cx="3008313" cy="4691063"/>
-          </a:xfrm>
-        </p:spPr>
-        <p:txBody>
-          <a:bodyPr/>
-          <a:lstStyle>
-            <a:lvl1pPr marL="0" indent="0">
-              <a:buNone/>
-              <a:defRPr sz="1400"/>
+            <a:lvl1pPr marL="0" indent="0" algn="ctr">
+              <a:buNone/>
+              <a:defRPr sz="1600"/>
             </a:lvl1pPr>
             <a:lvl2pPr marL="457200" indent="0">
               <a:buNone/>
@@ -2914,12 +2811,64 @@
           </a:p>
         </p:txBody>
       </p:sp>
+      <p:sp>
+        <p:nvSpPr>
+          <p:cNvPr id="9" name="Content Placeholder 8"/>
+          <p:cNvSpPr>
+            <a:spLocks noGrp="1"/>
+          </p:cNvSpPr>
+          <p:nvPr>
+            <p:ph sz="quarter" idx="13"/>
+          </p:nvPr>
+        </p:nvSpPr>
+        <p:spPr>
+          <a:xfrm>
+            <a:off x="304800" y="381000"/>
+            <a:ext cx="7772400" cy="4942840"/>
+          </a:xfrm>
+        </p:spPr>
+        <p:txBody>
+          <a:bodyPr/>
+          <a:lstStyle/>
+          <a:p>
+            <a:pPr lvl="0"/>
+            <a:r>
+              <a:rPr lang="en-US" smtClean="0"/>
+              <a:t>Click to edit Master text styles</a:t>
+            </a:r>
+          </a:p>
+          <a:p>
+            <a:pPr lvl="1"/>
+            <a:r>
+              <a:rPr lang="en-US" smtClean="0"/>
+              <a:t>Second level</a:t>
+            </a:r>
+          </a:p>
+          <a:p>
+            <a:pPr lvl="2"/>
+            <a:r>
+              <a:rPr lang="en-US" smtClean="0"/>
+              <a:t>Third level</a:t>
+            </a:r>
+          </a:p>
+          <a:p>
+            <a:pPr lvl="3"/>
+            <a:r>
+              <a:rPr lang="en-US" smtClean="0"/>
+              <a:t>Fourth level</a:t>
+            </a:r>
+          </a:p>
+          <a:p>
+            <a:pPr lvl="4"/>
+            <a:r>
+              <a:rPr lang="en-US" smtClean="0"/>
+              <a:t>Fifth level</a:t>
+            </a:r>
+            <a:endParaRPr lang="en-US"/>
+          </a:p>
+        </p:txBody>
+      </p:sp>
     </p:spTree>
-    <p:extLst>
-      <p:ext uri="{BB962C8B-B14F-4D97-AF65-F5344CB8AC3E}">
-        <p14:creationId xmlns:p14="http://schemas.microsoft.com/office/powerpoint/2010/main" val="3982898940"/>
-      </p:ext>
-    </p:extLst>
   </p:cSld>
   <p:clrMapOvr>
     <a:masterClrMapping/>
@@ -2956,15 +2905,22 @@
         </p:nvSpPr>
         <p:spPr>
           <a:xfrm>
-            <a:off x="1792288" y="4800600"/>
-            <a:ext cx="5486400" cy="566738"/>
+            <a:off x="301752" y="5495278"/>
+            <a:ext cx="7772400" cy="594626"/>
           </a:xfrm>
         </p:spPr>
         <p:txBody>
           <a:bodyPr anchor="b"/>
           <a:lstStyle>
-            <a:lvl1pPr algn="l">
-              <a:defRPr sz="2000" b="1"/>
+            <a:lvl1pPr algn="ctr">
+              <a:defRPr sz="2200" b="1">
+                <a:ln>
+                  <a:noFill/>
+                </a:ln>
+                <a:solidFill>
+                  <a:schemeClr val="tx2"/>
+                </a:solidFill>
+              </a:defRPr>
             </a:lvl1pPr>
           </a:lstStyle>
           <a:p>
@@ -2972,7 +2928,7 @@
               <a:rPr lang="en-US" smtClean="0"/>
               <a:t>Click to edit Master title style</a:t>
             </a:r>
-            <a:endParaRPr lang="en-US"/>
+            <a:endParaRPr lang="en-US" dirty="0"/>
           </a:p>
         </p:txBody>
       </p:sp>
@@ -2988,8 +2944,8 @@
         </p:nvSpPr>
         <p:spPr>
           <a:xfrm>
-            <a:off x="1792288" y="612775"/>
-            <a:ext cx="5486400" cy="4114800"/>
+            <a:off x="0" y="0"/>
+            <a:ext cx="8458200" cy="5486400"/>
           </a:xfrm>
         </p:spPr>
         <p:txBody>
@@ -3033,7 +2989,11 @@
             </a:lvl9pPr>
           </a:lstStyle>
           <a:p>
-            <a:endParaRPr lang="en-US"/>
+            <a:r>
+              <a:rPr lang="en-US" smtClean="0"/>
+              <a:t>Drag picture to placeholder or click icon to add</a:t>
+            </a:r>
+            <a:endParaRPr lang="en-US" dirty="0"/>
           </a:p>
         </p:txBody>
       </p:sp>
@@ -3049,16 +3009,18 @@
         </p:nvSpPr>
         <p:spPr>
           <a:xfrm>
-            <a:off x="1792288" y="5367338"/>
-            <a:ext cx="5486400" cy="804862"/>
+            <a:off x="301752" y="6096000"/>
+            <a:ext cx="7772400" cy="612648"/>
           </a:xfrm>
         </p:spPr>
         <p:txBody>
-          <a:bodyPr/>
+          <a:bodyPr>
+            <a:normAutofit/>
+          </a:bodyPr>
           <a:lstStyle>
-            <a:lvl1pPr marL="0" indent="0">
-              <a:buNone/>
-              <a:defRPr sz="1400"/>
+            <a:lvl1pPr marL="0" indent="0" algn="ctr">
+              <a:buNone/>
+              <a:defRPr sz="1600"/>
             </a:lvl1pPr>
             <a:lvl2pPr marL="457200" indent="0">
               <a:buNone/>
@@ -3104,7 +3066,7 @@
       </p:sp>
       <p:sp>
         <p:nvSpPr>
-          <p:cNvPr id="5" name="Date Placeholder 4"/>
+          <p:cNvPr id="8" name="Date Placeholder 7"/>
           <p:cNvSpPr>
             <a:spLocks noGrp="1"/>
           </p:cNvSpPr>
@@ -3127,31 +3089,12 @@
       </p:sp>
       <p:sp>
         <p:nvSpPr>
-          <p:cNvPr id="6" name="Footer Placeholder 5"/>
-          <p:cNvSpPr>
-            <a:spLocks noGrp="1"/>
-          </p:cNvSpPr>
-          <p:nvPr>
-            <p:ph type="ftr" sz="quarter" idx="11"/>
-          </p:nvPr>
-        </p:nvSpPr>
-        <p:spPr/>
-        <p:txBody>
-          <a:bodyPr/>
-          <a:lstStyle/>
-          <a:p>
-            <a:endParaRPr lang="en-US"/>
-          </a:p>
-        </p:txBody>
-      </p:sp>
-      <p:sp>
-        <p:nvSpPr>
-          <p:cNvPr id="7" name="Slide Number Placeholder 6"/>
-          <p:cNvSpPr>
-            <a:spLocks noGrp="1"/>
-          </p:cNvSpPr>
-          <p:nvPr>
-            <p:ph type="sldNum" sz="quarter" idx="12"/>
+          <p:cNvPr id="9" name="Slide Number Placeholder 8"/>
+          <p:cNvSpPr>
+            <a:spLocks noGrp="1"/>
+          </p:cNvSpPr>
+          <p:nvPr>
+            <p:ph type="sldNum" sz="quarter" idx="11"/>
           </p:nvPr>
         </p:nvSpPr>
         <p:spPr/>
@@ -3167,12 +3110,26 @@
           </a:p>
         </p:txBody>
       </p:sp>
+      <p:sp>
+        <p:nvSpPr>
+          <p:cNvPr id="10" name="Footer Placeholder 9"/>
+          <p:cNvSpPr>
+            <a:spLocks noGrp="1"/>
+          </p:cNvSpPr>
+          <p:nvPr>
+            <p:ph type="ftr" sz="quarter" idx="12"/>
+          </p:nvPr>
+        </p:nvSpPr>
+        <p:spPr/>
+        <p:txBody>
+          <a:bodyPr/>
+          <a:lstStyle/>
+          <a:p>
+            <a:endParaRPr lang="en-US"/>
+          </a:p>
+        </p:txBody>
+      </p:sp>
     </p:spTree>
-    <p:extLst>
-      <p:ext uri="{BB962C8B-B14F-4D97-AF65-F5344CB8AC3E}">
-        <p14:creationId xmlns:p14="http://schemas.microsoft.com/office/powerpoint/2010/main" val="214744412"/>
-      </p:ext>
-    </p:extLst>
   </p:cSld>
   <p:clrMapOvr>
     <a:masterClrMapping/>
@@ -3184,7 +3141,7 @@
 <p:sldMaster xmlns:a="http://schemas.openxmlformats.org/drawingml/2006/main" xmlns:r="http://schemas.openxmlformats.org/officeDocument/2006/relationships" xmlns:p="http://schemas.openxmlformats.org/presentationml/2006/main">
   <p:cSld>
     <p:bg>
-      <p:bgRef idx="1001">
+      <p:bgRef idx="1002">
         <a:schemeClr val="bg1"/>
       </p:bgRef>
     </p:bg>
@@ -3215,7 +3172,7 @@
         <p:spPr>
           <a:xfrm>
             <a:off x="457200" y="274638"/>
-            <a:ext cx="8229600" cy="1143000"/>
+            <a:ext cx="7620000" cy="1143000"/>
           </a:xfrm>
           <a:prstGeom prst="rect">
             <a:avLst/>
@@ -3223,7 +3180,7 @@
         </p:spPr>
         <p:txBody>
           <a:bodyPr vert="horz" lIns="91440" tIns="45720" rIns="91440" bIns="45720" rtlCol="0" anchor="ctr">
-            <a:normAutofit/>
+            <a:noAutofit/>
           </a:bodyPr>
           <a:lstStyle/>
           <a:p>
@@ -3231,7 +3188,7 @@
               <a:rPr lang="en-US" smtClean="0"/>
               <a:t>Click to edit Master title style</a:t>
             </a:r>
-            <a:endParaRPr lang="en-US"/>
+            <a:endParaRPr lang="en-US" dirty="0"/>
           </a:p>
         </p:txBody>
       </p:sp>
@@ -3248,7 +3205,7 @@
         <p:spPr>
           <a:xfrm>
             <a:off x="457200" y="1600200"/>
-            <a:ext cx="8229600" cy="4525963"/>
+            <a:ext cx="7620000" cy="4800600"/>
           </a:xfrm>
           <a:prstGeom prst="rect">
             <a:avLst/>
@@ -3293,24 +3250,162 @@
               <a:rPr lang="en-US" smtClean="0"/>
               <a:t>Fifth level</a:t>
             </a:r>
-            <a:endParaRPr lang="en-US"/>
-          </a:p>
-        </p:txBody>
-      </p:sp>
-      <p:sp>
-        <p:nvSpPr>
-          <p:cNvPr id="4" name="Date Placeholder 3"/>
-          <p:cNvSpPr>
-            <a:spLocks noGrp="1"/>
-          </p:cNvSpPr>
-          <p:nvPr>
-            <p:ph type="dt" sz="half" idx="2"/>
-          </p:nvPr>
+            <a:endParaRPr lang="en-US" dirty="0"/>
+          </a:p>
+        </p:txBody>
+      </p:sp>
+      <p:sp>
+        <p:nvSpPr>
+          <p:cNvPr id="7" name="Rectangle 6"/>
+          <p:cNvSpPr/>
+          <p:nvPr/>
         </p:nvSpPr>
         <p:spPr>
           <a:xfrm>
-            <a:off x="457200" y="6356350"/>
-            <a:ext cx="2133600" cy="365125"/>
+            <a:off x="8458200" y="0"/>
+            <a:ext cx="685800" cy="6858000"/>
+          </a:xfrm>
+          <a:prstGeom prst="rect">
+            <a:avLst/>
+          </a:prstGeom>
+          <a:solidFill>
+            <a:schemeClr val="tx2"/>
+          </a:solidFill>
+          <a:ln>
+            <a:noFill/>
+          </a:ln>
+        </p:spPr>
+        <p:style>
+          <a:lnRef idx="2">
+            <a:schemeClr val="accent1">
+              <a:shade val="50000"/>
+            </a:schemeClr>
+          </a:lnRef>
+          <a:fillRef idx="1">
+            <a:schemeClr val="accent1"/>
+          </a:fillRef>
+          <a:effectRef idx="0">
+            <a:schemeClr val="accent1"/>
+          </a:effectRef>
+          <a:fontRef idx="minor">
+            <a:schemeClr val="lt1"/>
+          </a:fontRef>
+        </p:style>
+        <p:txBody>
+          <a:bodyPr rtlCol="0" anchor="ctr"/>
+          <a:lstStyle/>
+          <a:p>
+            <a:pPr algn="ctr"/>
+            <a:endParaRPr lang="en-US"/>
+          </a:p>
+        </p:txBody>
+      </p:sp>
+      <p:sp>
+        <p:nvSpPr>
+          <p:cNvPr id="8" name="Rectangle 7"/>
+          <p:cNvSpPr/>
+          <p:nvPr/>
+        </p:nvSpPr>
+        <p:spPr>
+          <a:xfrm>
+            <a:off x="8458200" y="5486400"/>
+            <a:ext cx="685800" cy="685800"/>
+          </a:xfrm>
+          <a:prstGeom prst="rect">
+            <a:avLst/>
+          </a:prstGeom>
+          <a:solidFill>
+            <a:schemeClr val="accent1"/>
+          </a:solidFill>
+          <a:ln>
+            <a:noFill/>
+          </a:ln>
+        </p:spPr>
+        <p:style>
+          <a:lnRef idx="2">
+            <a:schemeClr val="accent1">
+              <a:shade val="50000"/>
+            </a:schemeClr>
+          </a:lnRef>
+          <a:fillRef idx="1">
+            <a:schemeClr val="accent1"/>
+          </a:fillRef>
+          <a:effectRef idx="0">
+            <a:schemeClr val="accent1"/>
+          </a:effectRef>
+          <a:fontRef idx="minor">
+            <a:schemeClr val="lt1"/>
+          </a:fontRef>
+        </p:style>
+        <p:txBody>
+          <a:bodyPr rtlCol="0" anchor="ctr"/>
+          <a:lstStyle/>
+          <a:p>
+            <a:pPr algn="ctr"/>
+            <a:endParaRPr lang="en-US"/>
+          </a:p>
+        </p:txBody>
+      </p:sp>
+      <p:sp>
+        <p:nvSpPr>
+          <p:cNvPr id="6" name="Slide Number Placeholder 5"/>
+          <p:cNvSpPr>
+            <a:spLocks noGrp="1"/>
+          </p:cNvSpPr>
+          <p:nvPr>
+            <p:ph type="sldNum" sz="quarter" idx="4"/>
+          </p:nvPr>
+        </p:nvSpPr>
+        <p:spPr>
+          <a:xfrm>
+            <a:off x="8531788" y="5648960"/>
+            <a:ext cx="548640" cy="396240"/>
+          </a:xfrm>
+          <a:prstGeom prst="bracketPair">
+            <a:avLst>
+              <a:gd name="adj" fmla="val 17949"/>
+            </a:avLst>
+          </a:prstGeom>
+          <a:ln w="19050">
+            <a:solidFill>
+              <a:srgbClr val="FFFFFF"/>
+            </a:solidFill>
+          </a:ln>
+        </p:spPr>
+        <p:txBody>
+          <a:bodyPr vert="horz" lIns="0" tIns="0" rIns="0" bIns="0" rtlCol="0" anchor="ctr"/>
+          <a:lstStyle>
+            <a:lvl1pPr algn="ctr">
+              <a:defRPr sz="1800">
+                <a:solidFill>
+                  <a:srgbClr val="FFFFFF"/>
+                </a:solidFill>
+              </a:defRPr>
+            </a:lvl1pPr>
+          </a:lstStyle>
+          <a:p>
+            <a:fld id="{248C5262-D346-1140-8402-273199D03216}" type="slidenum">
+              <a:rPr lang="en-US" smtClean="0"/>
+              <a:t>‹#›</a:t>
+            </a:fld>
+            <a:endParaRPr lang="en-US"/>
+          </a:p>
+        </p:txBody>
+      </p:sp>
+      <p:sp>
+        <p:nvSpPr>
+          <p:cNvPr id="5" name="Footer Placeholder 4"/>
+          <p:cNvSpPr>
+            <a:spLocks noGrp="1"/>
+          </p:cNvSpPr>
+          <p:nvPr>
+            <p:ph type="ftr" sz="quarter" idx="3"/>
+          </p:nvPr>
+        </p:nvSpPr>
+        <p:spPr>
+          <a:xfrm rot="16200000">
+            <a:off x="7586910" y="4048760"/>
+            <a:ext cx="2367281" cy="365760"/>
           </a:xfrm>
           <a:prstGeom prst="rect">
             <a:avLst/>
@@ -3319,39 +3414,33 @@
         <p:txBody>
           <a:bodyPr vert="horz" lIns="91440" tIns="45720" rIns="91440" bIns="45720" rtlCol="0" anchor="ctr"/>
           <a:lstStyle>
-            <a:lvl1pPr algn="l">
+            <a:lvl1pPr algn="r">
               <a:defRPr sz="1200">
                 <a:solidFill>
-                  <a:schemeClr val="tx1">
-                    <a:tint val="75000"/>
-                  </a:schemeClr>
+                  <a:schemeClr val="bg2"/>
                 </a:solidFill>
               </a:defRPr>
             </a:lvl1pPr>
           </a:lstStyle>
           <a:p>
-            <a:fld id="{B84B68EA-524C-1E44-B8F5-34CD9365BEB8}" type="datetimeFigureOut">
-              <a:rPr lang="en-US" smtClean="0"/>
-              <a:t>12-10-10</a:t>
-            </a:fld>
             <a:endParaRPr lang="en-US"/>
           </a:p>
         </p:txBody>
       </p:sp>
       <p:sp>
         <p:nvSpPr>
-          <p:cNvPr id="5" name="Footer Placeholder 4"/>
-          <p:cNvSpPr>
-            <a:spLocks noGrp="1"/>
-          </p:cNvSpPr>
-          <p:nvPr>
-            <p:ph type="ftr" sz="quarter" idx="3"/>
+          <p:cNvPr id="4" name="Date Placeholder 3"/>
+          <p:cNvSpPr>
+            <a:spLocks noGrp="1"/>
+          </p:cNvSpPr>
+          <p:nvPr>
+            <p:ph type="dt" sz="half" idx="2"/>
           </p:nvPr>
         </p:nvSpPr>
         <p:spPr>
-          <a:xfrm>
-            <a:off x="3124200" y="6356350"/>
-            <a:ext cx="2895600" cy="365125"/>
+          <a:xfrm rot="16200000">
+            <a:off x="7551351" y="1645920"/>
+            <a:ext cx="2438399" cy="365760"/>
           </a:xfrm>
           <a:prstGeom prst="rect">
             <a:avLst/>
@@ -3360,94 +3449,54 @@
         <p:txBody>
           <a:bodyPr vert="horz" lIns="91440" tIns="45720" rIns="91440" bIns="45720" rtlCol="0" anchor="ctr"/>
           <a:lstStyle>
-            <a:lvl1pPr algn="ctr">
+            <a:lvl1pPr algn="l">
               <a:defRPr sz="1200">
                 <a:solidFill>
-                  <a:schemeClr val="tx1">
-                    <a:tint val="75000"/>
-                  </a:schemeClr>
+                  <a:schemeClr val="bg2"/>
                 </a:solidFill>
               </a:defRPr>
             </a:lvl1pPr>
           </a:lstStyle>
           <a:p>
-            <a:endParaRPr lang="en-US"/>
-          </a:p>
-        </p:txBody>
-      </p:sp>
-      <p:sp>
-        <p:nvSpPr>
-          <p:cNvPr id="6" name="Slide Number Placeholder 5"/>
-          <p:cNvSpPr>
-            <a:spLocks noGrp="1"/>
-          </p:cNvSpPr>
-          <p:nvPr>
-            <p:ph type="sldNum" sz="quarter" idx="4"/>
-          </p:nvPr>
-        </p:nvSpPr>
-        <p:spPr>
-          <a:xfrm>
-            <a:off x="6553200" y="6356350"/>
-            <a:ext cx="2133600" cy="365125"/>
-          </a:xfrm>
-          <a:prstGeom prst="rect">
-            <a:avLst/>
-          </a:prstGeom>
-        </p:spPr>
-        <p:txBody>
-          <a:bodyPr vert="horz" lIns="91440" tIns="45720" rIns="91440" bIns="45720" rtlCol="0" anchor="ctr"/>
-          <a:lstStyle>
-            <a:lvl1pPr algn="r">
-              <a:defRPr sz="1200">
-                <a:solidFill>
-                  <a:schemeClr val="tx1">
-                    <a:tint val="75000"/>
-                  </a:schemeClr>
-                </a:solidFill>
-              </a:defRPr>
-            </a:lvl1pPr>
-          </a:lstStyle>
-          <a:p>
-            <a:fld id="{248C5262-D346-1140-8402-273199D03216}" type="slidenum">
-              <a:rPr lang="en-US" smtClean="0"/>
-              <a:t>‹#›</a:t>
+            <a:fld id="{B84B68EA-524C-1E44-B8F5-34CD9365BEB8}" type="datetimeFigureOut">
+              <a:rPr lang="en-US" smtClean="0"/>
+              <a:t>12-10-10</a:t>
             </a:fld>
             <a:endParaRPr lang="en-US"/>
           </a:p>
         </p:txBody>
       </p:sp>
     </p:spTree>
-    <p:extLst>
-      <p:ext uri="{BB962C8B-B14F-4D97-AF65-F5344CB8AC3E}">
-        <p14:creationId xmlns:p14="http://schemas.microsoft.com/office/powerpoint/2010/main" val="2475380696"/>
-      </p:ext>
-    </p:extLst>
   </p:cSld>
   <p:clrMap bg1="lt1" tx1="dk1" bg2="lt2" tx2="dk2" accent1="accent1" accent2="accent2" accent3="accent3" accent4="accent4" accent5="accent5" accent6="accent6" hlink="hlink" folHlink="folHlink"/>
   <p:sldLayoutIdLst>
-    <p:sldLayoutId id="2147484380" r:id="rId1"/>
-    <p:sldLayoutId id="2147484381" r:id="rId2"/>
-    <p:sldLayoutId id="2147484382" r:id="rId3"/>
-    <p:sldLayoutId id="2147484383" r:id="rId4"/>
-    <p:sldLayoutId id="2147484384" r:id="rId5"/>
-    <p:sldLayoutId id="2147484385" r:id="rId6"/>
-    <p:sldLayoutId id="2147484386" r:id="rId7"/>
-    <p:sldLayoutId id="2147484387" r:id="rId8"/>
-    <p:sldLayoutId id="2147484388" r:id="rId9"/>
-    <p:sldLayoutId id="2147484389" r:id="rId10"/>
-    <p:sldLayoutId id="2147484390" r:id="rId11"/>
+    <p:sldLayoutId id="2147484392" r:id="rId1"/>
+    <p:sldLayoutId id="2147484393" r:id="rId2"/>
+    <p:sldLayoutId id="2147484394" r:id="rId3"/>
+    <p:sldLayoutId id="2147484395" r:id="rId4"/>
+    <p:sldLayoutId id="2147484396" r:id="rId5"/>
+    <p:sldLayoutId id="2147484397" r:id="rId6"/>
+    <p:sldLayoutId id="2147484398" r:id="rId7"/>
+    <p:sldLayoutId id="2147484399" r:id="rId8"/>
+    <p:sldLayoutId id="2147484400" r:id="rId9"/>
+    <p:sldLayoutId id="2147484401" r:id="rId10"/>
+    <p:sldLayoutId id="2147484402" r:id="rId11"/>
   </p:sldLayoutIdLst>
   <p:txStyles>
     <p:titleStyle>
-      <a:lvl1pPr algn="ctr" defTabSz="457200" rtl="0" eaLnBrk="1" latinLnBrk="0" hangingPunct="1">
+      <a:lvl1pPr algn="l" defTabSz="914400" rtl="0" eaLnBrk="1" latinLnBrk="0" hangingPunct="1">
         <a:spcBef>
           <a:spcPct val="0"/>
         </a:spcBef>
         <a:buNone/>
-        <a:defRPr sz="4400" kern="1200">
+        <a:defRPr sz="4600" kern="1200" cap="none" spc="-100" baseline="0">
+          <a:ln>
+            <a:noFill/>
+          </a:ln>
           <a:solidFill>
-            <a:schemeClr val="tx1"/>
+            <a:schemeClr val="tx2"/>
           </a:solidFill>
+          <a:effectLst/>
           <a:latin typeface="+mj-lt"/>
           <a:ea typeface="+mj-ea"/>
           <a:cs typeface="+mj-cs"/>
@@ -3455,13 +3504,16 @@
       </a:lvl1pPr>
     </p:titleStyle>
     <p:bodyStyle>
-      <a:lvl1pPr marL="342900" indent="-342900" algn="l" defTabSz="457200" rtl="0" eaLnBrk="1" latinLnBrk="0" hangingPunct="1">
+      <a:lvl1pPr marL="342900" indent="-228600" algn="l" defTabSz="914400" rtl="0" eaLnBrk="1" latinLnBrk="0" hangingPunct="1">
         <a:spcBef>
           <a:spcPct val="20000"/>
         </a:spcBef>
-        <a:buFont typeface="Arial"/>
+        <a:buClr>
+          <a:schemeClr val="accent1"/>
+        </a:buClr>
+        <a:buFont typeface="Arial" pitchFamily="34" charset="0"/>
         <a:buChar char="•"/>
-        <a:defRPr sz="3200" kern="1200">
+        <a:defRPr sz="2200" kern="1200">
           <a:solidFill>
             <a:schemeClr val="tx1"/>
           </a:solidFill>
@@ -3470,71 +3522,14 @@
           <a:cs typeface="+mn-cs"/>
         </a:defRPr>
       </a:lvl1pPr>
-      <a:lvl2pPr marL="742950" indent="-285750" algn="l" defTabSz="457200" rtl="0" eaLnBrk="1" latinLnBrk="0" hangingPunct="1">
+      <a:lvl2pPr marL="640080" indent="-228600" algn="l" defTabSz="914400" rtl="0" eaLnBrk="1" latinLnBrk="0" hangingPunct="1">
         <a:spcBef>
           <a:spcPct val="20000"/>
         </a:spcBef>
-        <a:buFont typeface="Arial"/>
-        <a:buChar char="–"/>
-        <a:defRPr sz="2800" kern="1200">
-          <a:solidFill>
-            <a:schemeClr val="tx1"/>
-          </a:solidFill>
-          <a:latin typeface="+mn-lt"/>
-          <a:ea typeface="+mn-ea"/>
-          <a:cs typeface="+mn-cs"/>
-        </a:defRPr>
-      </a:lvl2pPr>
-      <a:lvl3pPr marL="1143000" indent="-228600" algn="l" defTabSz="457200" rtl="0" eaLnBrk="1" latinLnBrk="0" hangingPunct="1">
-        <a:spcBef>
-          <a:spcPct val="20000"/>
-        </a:spcBef>
-        <a:buFont typeface="Arial"/>
-        <a:buChar char="•"/>
-        <a:defRPr sz="2400" kern="1200">
-          <a:solidFill>
-            <a:schemeClr val="tx1"/>
-          </a:solidFill>
-          <a:latin typeface="+mn-lt"/>
-          <a:ea typeface="+mn-ea"/>
-          <a:cs typeface="+mn-cs"/>
-        </a:defRPr>
-      </a:lvl3pPr>
-      <a:lvl4pPr marL="1600200" indent="-228600" algn="l" defTabSz="457200" rtl="0" eaLnBrk="1" latinLnBrk="0" hangingPunct="1">
-        <a:spcBef>
-          <a:spcPct val="20000"/>
-        </a:spcBef>
-        <a:buFont typeface="Arial"/>
-        <a:buChar char="–"/>
-        <a:defRPr sz="2000" kern="1200">
-          <a:solidFill>
-            <a:schemeClr val="tx1"/>
-          </a:solidFill>
-          <a:latin typeface="+mn-lt"/>
-          <a:ea typeface="+mn-ea"/>
-          <a:cs typeface="+mn-cs"/>
-        </a:defRPr>
-      </a:lvl4pPr>
-      <a:lvl5pPr marL="2057400" indent="-228600" algn="l" defTabSz="457200" rtl="0" eaLnBrk="1" latinLnBrk="0" hangingPunct="1">
-        <a:spcBef>
-          <a:spcPct val="20000"/>
-        </a:spcBef>
-        <a:buFont typeface="Arial"/>
-        <a:buChar char="»"/>
-        <a:defRPr sz="2000" kern="1200">
-          <a:solidFill>
-            <a:schemeClr val="tx1"/>
-          </a:solidFill>
-          <a:latin typeface="+mn-lt"/>
-          <a:ea typeface="+mn-ea"/>
-          <a:cs typeface="+mn-cs"/>
-        </a:defRPr>
-      </a:lvl5pPr>
-      <a:lvl6pPr marL="2514600" indent="-228600" algn="l" defTabSz="457200" rtl="0" eaLnBrk="1" latinLnBrk="0" hangingPunct="1">
-        <a:spcBef>
-          <a:spcPct val="20000"/>
-        </a:spcBef>
-        <a:buFont typeface="Arial"/>
+        <a:buClr>
+          <a:schemeClr val="accent2"/>
+        </a:buClr>
+        <a:buFont typeface="Arial" pitchFamily="34" charset="0"/>
         <a:buChar char="•"/>
         <a:defRPr sz="2000" kern="1200">
           <a:solidFill>
@@ -3544,14 +3539,89 @@
           <a:ea typeface="+mn-ea"/>
           <a:cs typeface="+mn-cs"/>
         </a:defRPr>
-      </a:lvl6pPr>
-      <a:lvl7pPr marL="2971800" indent="-228600" algn="l" defTabSz="457200" rtl="0" eaLnBrk="1" latinLnBrk="0" hangingPunct="1">
+      </a:lvl2pPr>
+      <a:lvl3pPr marL="1005840" indent="-228600" algn="l" defTabSz="914400" rtl="0" eaLnBrk="1" latinLnBrk="0" hangingPunct="1">
         <a:spcBef>
           <a:spcPct val="20000"/>
         </a:spcBef>
-        <a:buFont typeface="Arial"/>
+        <a:buClr>
+          <a:schemeClr val="accent3"/>
+        </a:buClr>
+        <a:buFont typeface="Arial" pitchFamily="34" charset="0"/>
         <a:buChar char="•"/>
-        <a:defRPr sz="2000" kern="1200">
+        <a:defRPr sz="1800" kern="1200">
+          <a:solidFill>
+            <a:schemeClr val="tx1"/>
+          </a:solidFill>
+          <a:latin typeface="+mn-lt"/>
+          <a:ea typeface="+mn-ea"/>
+          <a:cs typeface="+mn-cs"/>
+        </a:defRPr>
+      </a:lvl3pPr>
+      <a:lvl4pPr marL="1280160" indent="-228600" algn="l" defTabSz="914400" rtl="0" eaLnBrk="1" latinLnBrk="0" hangingPunct="1">
+        <a:spcBef>
+          <a:spcPct val="20000"/>
+        </a:spcBef>
+        <a:buClr>
+          <a:schemeClr val="accent4"/>
+        </a:buClr>
+        <a:buFont typeface="Arial" pitchFamily="34" charset="0"/>
+        <a:buChar char="•"/>
+        <a:defRPr sz="1600" kern="1200">
+          <a:solidFill>
+            <a:schemeClr val="tx1"/>
+          </a:solidFill>
+          <a:latin typeface="+mn-lt"/>
+          <a:ea typeface="+mn-ea"/>
+          <a:cs typeface="+mn-cs"/>
+        </a:defRPr>
+      </a:lvl4pPr>
+      <a:lvl5pPr marL="1554480" indent="-228600" algn="l" defTabSz="914400" rtl="0" eaLnBrk="1" latinLnBrk="0" hangingPunct="1">
+        <a:spcBef>
+          <a:spcPct val="20000"/>
+        </a:spcBef>
+        <a:buClr>
+          <a:schemeClr val="accent5"/>
+        </a:buClr>
+        <a:buFont typeface="Arial" pitchFamily="34" charset="0"/>
+        <a:buChar char="•"/>
+        <a:defRPr sz="1400" kern="1200" baseline="0">
+          <a:solidFill>
+            <a:schemeClr val="tx1"/>
+          </a:solidFill>
+          <a:latin typeface="+mn-lt"/>
+          <a:ea typeface="+mn-ea"/>
+          <a:cs typeface="+mn-cs"/>
+        </a:defRPr>
+      </a:lvl5pPr>
+      <a:lvl6pPr marL="1737360" indent="-182880" algn="l" defTabSz="914400" rtl="0" eaLnBrk="1" latinLnBrk="0" hangingPunct="1">
+        <a:spcBef>
+          <a:spcPct val="20000"/>
+        </a:spcBef>
+        <a:buClr>
+          <a:schemeClr val="accent1"/>
+        </a:buClr>
+        <a:buFont typeface="Arial" pitchFamily="34" charset="0"/>
+        <a:buChar char="•"/>
+        <a:defRPr sz="1400" kern="1200" baseline="0">
+          <a:solidFill>
+            <a:schemeClr val="tx1"/>
+          </a:solidFill>
+          <a:latin typeface="+mn-lt"/>
+          <a:ea typeface="+mn-ea"/>
+          <a:cs typeface="+mn-cs"/>
+        </a:defRPr>
+      </a:lvl6pPr>
+      <a:lvl7pPr marL="1920240" indent="-182880" algn="l" defTabSz="914400" rtl="0" eaLnBrk="1" latinLnBrk="0" hangingPunct="1">
+        <a:spcBef>
+          <a:spcPct val="20000"/>
+        </a:spcBef>
+        <a:buClr>
+          <a:schemeClr val="accent2"/>
+        </a:buClr>
+        <a:buFont typeface="Arial" pitchFamily="34" charset="0"/>
+        <a:buChar char="•"/>
+        <a:defRPr sz="1400" kern="1200">
           <a:solidFill>
             <a:schemeClr val="tx1"/>
           </a:solidFill>
@@ -3560,13 +3630,16 @@
           <a:cs typeface="+mn-cs"/>
         </a:defRPr>
       </a:lvl7pPr>
-      <a:lvl8pPr marL="3429000" indent="-228600" algn="l" defTabSz="457200" rtl="0" eaLnBrk="1" latinLnBrk="0" hangingPunct="1">
+      <a:lvl8pPr marL="2103120" indent="-182880" algn="l" defTabSz="914400" rtl="0" eaLnBrk="1" latinLnBrk="0" hangingPunct="1">
         <a:spcBef>
           <a:spcPct val="20000"/>
         </a:spcBef>
-        <a:buFont typeface="Arial"/>
+        <a:buClr>
+          <a:schemeClr val="accent3"/>
+        </a:buClr>
+        <a:buFont typeface="Arial" pitchFamily="34" charset="0"/>
         <a:buChar char="•"/>
-        <a:defRPr sz="2000" kern="1200">
+        <a:defRPr sz="1400" kern="1200">
           <a:solidFill>
             <a:schemeClr val="tx1"/>
           </a:solidFill>
@@ -3575,13 +3648,16 @@
           <a:cs typeface="+mn-cs"/>
         </a:defRPr>
       </a:lvl8pPr>
-      <a:lvl9pPr marL="3886200" indent="-228600" algn="l" defTabSz="457200" rtl="0" eaLnBrk="1" latinLnBrk="0" hangingPunct="1">
+      <a:lvl9pPr marL="2286000" indent="-182880" algn="l" defTabSz="914400" rtl="0" eaLnBrk="1" latinLnBrk="0" hangingPunct="1">
         <a:spcBef>
           <a:spcPct val="20000"/>
         </a:spcBef>
-        <a:buFont typeface="Arial"/>
+        <a:buClr>
+          <a:schemeClr val="accent4"/>
+        </a:buClr>
+        <a:buFont typeface="Arial" pitchFamily="34" charset="0"/>
         <a:buChar char="•"/>
-        <a:defRPr sz="2000" kern="1200">
+        <a:defRPr sz="1400" kern="1200">
           <a:solidFill>
             <a:schemeClr val="tx1"/>
           </a:solidFill>
@@ -3595,7 +3671,7 @@
       <a:defPPr>
         <a:defRPr lang="en-US"/>
       </a:defPPr>
-      <a:lvl1pPr marL="0" algn="l" defTabSz="457200" rtl="0" eaLnBrk="1" latinLnBrk="0" hangingPunct="1">
+      <a:lvl1pPr marL="0" algn="l" defTabSz="914400" rtl="0" eaLnBrk="1" latinLnBrk="0" hangingPunct="1">
         <a:defRPr sz="1800" kern="1200">
           <a:solidFill>
             <a:schemeClr val="tx1"/>
@@ -3605,7 +3681,7 @@
           <a:cs typeface="+mn-cs"/>
         </a:defRPr>
       </a:lvl1pPr>
-      <a:lvl2pPr marL="457200" algn="l" defTabSz="457200" rtl="0" eaLnBrk="1" latinLnBrk="0" hangingPunct="1">
+      <a:lvl2pPr marL="457200" algn="l" defTabSz="914400" rtl="0" eaLnBrk="1" latinLnBrk="0" hangingPunct="1">
         <a:defRPr sz="1800" kern="1200">
           <a:solidFill>
             <a:schemeClr val="tx1"/>
@@ -3615,7 +3691,7 @@
           <a:cs typeface="+mn-cs"/>
         </a:defRPr>
       </a:lvl2pPr>
-      <a:lvl3pPr marL="914400" algn="l" defTabSz="457200" rtl="0" eaLnBrk="1" latinLnBrk="0" hangingPunct="1">
+      <a:lvl3pPr marL="914400" algn="l" defTabSz="914400" rtl="0" eaLnBrk="1" latinLnBrk="0" hangingPunct="1">
         <a:defRPr sz="1800" kern="1200">
           <a:solidFill>
             <a:schemeClr val="tx1"/>
@@ -3625,7 +3701,7 @@
           <a:cs typeface="+mn-cs"/>
         </a:defRPr>
       </a:lvl3pPr>
-      <a:lvl4pPr marL="1371600" algn="l" defTabSz="457200" rtl="0" eaLnBrk="1" latinLnBrk="0" hangingPunct="1">
+      <a:lvl4pPr marL="1371600" algn="l" defTabSz="914400" rtl="0" eaLnBrk="1" latinLnBrk="0" hangingPunct="1">
         <a:defRPr sz="1800" kern="1200">
           <a:solidFill>
             <a:schemeClr val="tx1"/>
@@ -3635,7 +3711,7 @@
           <a:cs typeface="+mn-cs"/>
         </a:defRPr>
       </a:lvl4pPr>
-      <a:lvl5pPr marL="1828800" algn="l" defTabSz="457200" rtl="0" eaLnBrk="1" latinLnBrk="0" hangingPunct="1">
+      <a:lvl5pPr marL="1828800" algn="l" defTabSz="914400" rtl="0" eaLnBrk="1" latinLnBrk="0" hangingPunct="1">
         <a:defRPr sz="1800" kern="1200">
           <a:solidFill>
             <a:schemeClr val="tx1"/>
@@ -3645,7 +3721,7 @@
           <a:cs typeface="+mn-cs"/>
         </a:defRPr>
       </a:lvl5pPr>
-      <a:lvl6pPr marL="2286000" algn="l" defTabSz="457200" rtl="0" eaLnBrk="1" latinLnBrk="0" hangingPunct="1">
+      <a:lvl6pPr marL="2286000" algn="l" defTabSz="914400" rtl="0" eaLnBrk="1" latinLnBrk="0" hangingPunct="1">
         <a:defRPr sz="1800" kern="1200">
           <a:solidFill>
             <a:schemeClr val="tx1"/>
@@ -3655,7 +3731,7 @@
           <a:cs typeface="+mn-cs"/>
         </a:defRPr>
       </a:lvl6pPr>
-      <a:lvl7pPr marL="2743200" algn="l" defTabSz="457200" rtl="0" eaLnBrk="1" latinLnBrk="0" hangingPunct="1">
+      <a:lvl7pPr marL="2743200" algn="l" defTabSz="914400" rtl="0" eaLnBrk="1" latinLnBrk="0" hangingPunct="1">
         <a:defRPr sz="1800" kern="1200">
           <a:solidFill>
             <a:schemeClr val="tx1"/>
@@ -3665,7 +3741,7 @@
           <a:cs typeface="+mn-cs"/>
         </a:defRPr>
       </a:lvl7pPr>
-      <a:lvl8pPr marL="3200400" algn="l" defTabSz="457200" rtl="0" eaLnBrk="1" latinLnBrk="0" hangingPunct="1">
+      <a:lvl8pPr marL="3200400" algn="l" defTabSz="914400" rtl="0" eaLnBrk="1" latinLnBrk="0" hangingPunct="1">
         <a:defRPr sz="1800" kern="1200">
           <a:solidFill>
             <a:schemeClr val="tx1"/>
@@ -3675,7 +3751,7 @@
           <a:cs typeface="+mn-cs"/>
         </a:defRPr>
       </a:lvl8pPr>
-      <a:lvl9pPr marL="3657600" algn="l" defTabSz="457200" rtl="0" eaLnBrk="1" latinLnBrk="0" hangingPunct="1">
+      <a:lvl9pPr marL="3657600" algn="l" defTabSz="914400" rtl="0" eaLnBrk="1" latinLnBrk="0" hangingPunct="1">
         <a:defRPr sz="1800" kern="1200">
           <a:solidFill>
             <a:schemeClr val="tx1"/>
@@ -3752,14 +3828,16 @@
           </a:xfrm>
         </p:spPr>
         <p:txBody>
-          <a:bodyPr/>
-          <a:lstStyle/>
-          <a:p>
-            <a:r>
-              <a:rPr lang="en-US" dirty="0" smtClean="0"/>
+          <a:bodyPr>
+            <a:normAutofit/>
+          </a:bodyPr>
+          <a:lstStyle/>
+          <a:p>
+            <a:r>
+              <a:rPr lang="en-US" sz="3200" dirty="0" smtClean="0"/>
               <a:t>Natural Language Processing Toolkit</a:t>
             </a:r>
-            <a:endParaRPr lang="en-US" dirty="0"/>
+            <a:endParaRPr lang="en-US" sz="3200" dirty="0"/>
           </a:p>
         </p:txBody>
       </p:sp>
@@ -4102,7 +4180,156 @@
         </p:nvSpPr>
         <p:spPr>
           <a:xfrm>
-            <a:off x="457200" y="1135589"/>
+            <a:off x="457200" y="145494"/>
+            <a:ext cx="8229600" cy="1143000"/>
+          </a:xfrm>
+        </p:spPr>
+        <p:txBody>
+          <a:bodyPr/>
+          <a:lstStyle/>
+          <a:p>
+            <a:r>
+              <a:rPr lang="en-US" dirty="0" smtClean="0"/>
+              <a:t>Naïve Bayes Algorithm</a:t>
+            </a:r>
+            <a:endParaRPr lang="en-US" dirty="0"/>
+          </a:p>
+        </p:txBody>
+      </p:sp>
+      <p:sp>
+        <p:nvSpPr>
+          <p:cNvPr id="6" name="Content Placeholder 2"/>
+          <p:cNvSpPr>
+            <a:spLocks noGrp="1"/>
+          </p:cNvSpPr>
+          <p:nvPr>
+            <p:ph idx="1"/>
+          </p:nvPr>
+        </p:nvSpPr>
+        <p:spPr>
+          <a:xfrm>
+            <a:off x="722650" y="2889842"/>
+            <a:ext cx="6833663" cy="3481184"/>
+          </a:xfrm>
+        </p:spPr>
+        <p:txBody>
+          <a:bodyPr>
+            <a:normAutofit/>
+          </a:bodyPr>
+          <a:lstStyle/>
+          <a:p>
+            <a:pPr marL="0" indent="0">
+              <a:buNone/>
+            </a:pPr>
+            <a:endParaRPr lang="en-US" dirty="0"/>
+          </a:p>
+          <a:p>
+            <a:pPr marL="285750" indent="-285750"/>
+            <a:r>
+              <a:rPr lang="en-US" sz="3200" dirty="0" smtClean="0"/>
+              <a:t>Applications</a:t>
+            </a:r>
+            <a:endParaRPr lang="en-US" sz="3200" dirty="0"/>
+          </a:p>
+          <a:p>
+            <a:pPr lvl="1">
+              <a:buFont typeface="Arial"/>
+              <a:buChar char="•"/>
+            </a:pPr>
+            <a:r>
+              <a:rPr lang="en-US" sz="3200" dirty="0" smtClean="0"/>
+              <a:t>Text (Spam, Sentiment, Categories)</a:t>
+            </a:r>
+          </a:p>
+          <a:p>
+            <a:pPr lvl="1">
+              <a:buFont typeface="Arial"/>
+              <a:buChar char="•"/>
+            </a:pPr>
+            <a:r>
+              <a:rPr lang="en-US" sz="3200" dirty="0" smtClean="0"/>
+              <a:t>Medicine, Diagnosis, Treatment</a:t>
+            </a:r>
+          </a:p>
+          <a:p>
+            <a:pPr lvl="1">
+              <a:buFont typeface="Arial"/>
+              <a:buChar char="•"/>
+            </a:pPr>
+            <a:r>
+              <a:rPr lang="en-US" sz="3200" dirty="0" smtClean="0"/>
+              <a:t>Fruits</a:t>
+            </a:r>
+          </a:p>
+        </p:txBody>
+      </p:sp>
+      <p:pic>
+        <p:nvPicPr>
+          <p:cNvPr id="5" name="Picture 4"/>
+          <p:cNvPicPr>
+            <a:picLocks noChangeAspect="1"/>
+          </p:cNvPicPr>
+          <p:nvPr/>
+        </p:nvPicPr>
+        <p:blipFill>
+          <a:blip r:embed="rId2"/>
+          <a:stretch>
+            <a:fillRect/>
+          </a:stretch>
+        </p:blipFill>
+        <p:spPr>
+          <a:xfrm>
+            <a:off x="270562" y="1655550"/>
+            <a:ext cx="8039230" cy="1115269"/>
+          </a:xfrm>
+          <a:prstGeom prst="rect">
+            <a:avLst/>
+          </a:prstGeom>
+        </p:spPr>
+      </p:pic>
+    </p:spTree>
+    <p:extLst>
+      <p:ext uri="{BB962C8B-B14F-4D97-AF65-F5344CB8AC3E}">
+        <p14:creationId xmlns:p14="http://schemas.microsoft.com/office/powerpoint/2010/main" val="685016964"/>
+      </p:ext>
+    </p:extLst>
+  </p:cSld>
+  <p:clrMapOvr>
+    <a:masterClrMapping/>
+  </p:clrMapOvr>
+</p:sld>
+</file>
+
+<file path=ppt/slides/slide12.xml><?xml version="1.0" encoding="utf-8"?>
+<p:sld xmlns:a="http://schemas.openxmlformats.org/drawingml/2006/main" xmlns:r="http://schemas.openxmlformats.org/officeDocument/2006/relationships" xmlns:p="http://schemas.openxmlformats.org/presentationml/2006/main">
+  <p:cSld>
+    <p:spTree>
+      <p:nvGrpSpPr>
+        <p:cNvPr id="1" name=""/>
+        <p:cNvGrpSpPr/>
+        <p:nvPr/>
+      </p:nvGrpSpPr>
+      <p:grpSpPr>
+        <a:xfrm>
+          <a:off x="0" y="0"/>
+          <a:ext cx="0" cy="0"/>
+          <a:chOff x="0" y="0"/>
+          <a:chExt cx="0" cy="0"/>
+        </a:xfrm>
+      </p:grpSpPr>
+      <p:sp>
+        <p:nvSpPr>
+          <p:cNvPr id="2" name="Title 1"/>
+          <p:cNvSpPr>
+            <a:spLocks noGrp="1"/>
+          </p:cNvSpPr>
+          <p:nvPr>
+            <p:ph type="title"/>
+          </p:nvPr>
+        </p:nvSpPr>
+        <p:spPr>
+          <a:xfrm>
+            <a:off x="457200" y="1286257"/>
             <a:ext cx="8229600" cy="1143000"/>
           </a:xfrm>
         </p:spPr>
@@ -4134,7 +4361,7 @@
         </p:blipFill>
         <p:spPr>
           <a:xfrm>
-            <a:off x="748684" y="3309573"/>
+            <a:off x="468820" y="3309573"/>
             <a:ext cx="7776384" cy="958434"/>
           </a:xfrm>
           <a:prstGeom prst="rect">
@@ -4160,88 +4387,6 @@
       <p:transition xmlns:p14="http://schemas.microsoft.com/office/powerpoint/2010/main" spd="slow"/>
     </mc:Fallback>
   </mc:AlternateContent>
-</p:sld>
-</file>
-
-<file path=ppt/slides/slide12.xml><?xml version="1.0" encoding="utf-8"?>
-<p:sld xmlns:a="http://schemas.openxmlformats.org/drawingml/2006/main" xmlns:r="http://schemas.openxmlformats.org/officeDocument/2006/relationships" xmlns:p="http://schemas.openxmlformats.org/presentationml/2006/main">
-  <p:cSld>
-    <p:spTree>
-      <p:nvGrpSpPr>
-        <p:cNvPr id="1" name=""/>
-        <p:cNvGrpSpPr/>
-        <p:nvPr/>
-      </p:nvGrpSpPr>
-      <p:grpSpPr>
-        <a:xfrm>
-          <a:off x="0" y="0"/>
-          <a:ext cx="0" cy="0"/>
-          <a:chOff x="0" y="0"/>
-          <a:chExt cx="0" cy="0"/>
-        </a:xfrm>
-      </p:grpSpPr>
-      <p:sp>
-        <p:nvSpPr>
-          <p:cNvPr id="2" name="Title 1"/>
-          <p:cNvSpPr>
-            <a:spLocks noGrp="1"/>
-          </p:cNvSpPr>
-          <p:nvPr>
-            <p:ph type="title"/>
-          </p:nvPr>
-        </p:nvSpPr>
-        <p:spPr>
-          <a:xfrm>
-            <a:off x="457200" y="640546"/>
-            <a:ext cx="8229600" cy="1143000"/>
-          </a:xfrm>
-        </p:spPr>
-        <p:txBody>
-          <a:bodyPr/>
-          <a:lstStyle/>
-          <a:p>
-            <a:r>
-              <a:rPr lang="en-US" dirty="0" smtClean="0"/>
-              <a:t>Naïve Bayes Algorithm</a:t>
-            </a:r>
-            <a:endParaRPr lang="en-US" dirty="0"/>
-          </a:p>
-        </p:txBody>
-      </p:sp>
-      <p:pic>
-        <p:nvPicPr>
-          <p:cNvPr id="5" name="Picture 4"/>
-          <p:cNvPicPr>
-            <a:picLocks noChangeAspect="1"/>
-          </p:cNvPicPr>
-          <p:nvPr/>
-        </p:nvPicPr>
-        <p:blipFill>
-          <a:blip r:embed="rId2"/>
-          <a:stretch>
-            <a:fillRect/>
-          </a:stretch>
-        </p:blipFill>
-        <p:spPr>
-          <a:xfrm>
-            <a:off x="593482" y="2968514"/>
-            <a:ext cx="8039230" cy="1115269"/>
-          </a:xfrm>
-          <a:prstGeom prst="rect">
-            <a:avLst/>
-          </a:prstGeom>
-        </p:spPr>
-      </p:pic>
-    </p:spTree>
-    <p:extLst>
-      <p:ext uri="{BB962C8B-B14F-4D97-AF65-F5344CB8AC3E}">
-        <p14:creationId xmlns:p14="http://schemas.microsoft.com/office/powerpoint/2010/main" val="4115058368"/>
-      </p:ext>
-    </p:extLst>
-  </p:cSld>
-  <p:clrMapOvr>
-    <a:masterClrMapping/>
-  </p:clrMapOvr>
 </p:sld>
 </file>
 
@@ -4517,7 +4662,7 @@
         </p:nvSpPr>
         <p:spPr>
           <a:xfrm>
-            <a:off x="457200" y="667236"/>
+            <a:off x="177336" y="667236"/>
             <a:ext cx="8229600" cy="5114547"/>
           </a:xfrm>
         </p:spPr>
@@ -4530,139 +4675,139 @@
             <a:pPr marL="0" indent="0">
               <a:buNone/>
             </a:pPr>
-            <a:endParaRPr lang="en-US" dirty="0"/>
-          </a:p>
-          <a:p>
-            <a:r>
-              <a:rPr lang="en-US" dirty="0" smtClean="0"/>
+            <a:endParaRPr lang="en-US" sz="2800" dirty="0"/>
+          </a:p>
+          <a:p>
+            <a:r>
+              <a:rPr lang="en-US" sz="2800" dirty="0" smtClean="0"/>
               <a:t>Part-of-speech Tagging</a:t>
             </a:r>
           </a:p>
           <a:p>
             <a:pPr lvl="1"/>
             <a:r>
-              <a:rPr lang="en-US" dirty="0" smtClean="0"/>
+              <a:rPr lang="en-US" sz="2800" dirty="0" smtClean="0"/>
               <a:t>Have: text = “This is a very cool tool”</a:t>
             </a:r>
           </a:p>
           <a:p>
             <a:pPr lvl="1"/>
             <a:r>
-              <a:rPr lang="en-US" dirty="0" smtClean="0"/>
+              <a:rPr lang="en-US" sz="2800" dirty="0" smtClean="0"/>
               <a:t>Get: </a:t>
             </a:r>
             <a:r>
-              <a:rPr lang="tr-TR" dirty="0" smtClean="0"/>
+              <a:rPr lang="tr-TR" sz="2800" dirty="0" smtClean="0"/>
               <a:t>[('</a:t>
             </a:r>
             <a:r>
-              <a:rPr lang="tr-TR" dirty="0" err="1" smtClean="0"/>
+              <a:rPr lang="tr-TR" sz="2800" dirty="0" err="1" smtClean="0"/>
               <a:t>this</a:t>
             </a:r>
             <a:r>
-              <a:rPr lang="tr-TR" dirty="0" smtClean="0"/>
+              <a:rPr lang="tr-TR" sz="2800" dirty="0" smtClean="0"/>
               <a:t>', 'DT'), ('is', 'VBZ'), ('a', 'DT'), ('</a:t>
             </a:r>
             <a:r>
-              <a:rPr lang="tr-TR" dirty="0" err="1" smtClean="0"/>
+              <a:rPr lang="tr-TR" sz="2800" dirty="0" err="1" smtClean="0"/>
               <a:t>very</a:t>
             </a:r>
             <a:r>
-              <a:rPr lang="tr-TR" dirty="0" smtClean="0"/>
+              <a:rPr lang="tr-TR" sz="2800" dirty="0" smtClean="0"/>
               <a:t>', 'RB'), ('</a:t>
             </a:r>
             <a:r>
-              <a:rPr lang="tr-TR" dirty="0" err="1" smtClean="0"/>
+              <a:rPr lang="tr-TR" sz="2800" dirty="0" err="1" smtClean="0"/>
               <a:t>cool</a:t>
             </a:r>
             <a:r>
-              <a:rPr lang="tr-TR" dirty="0" smtClean="0"/>
+              <a:rPr lang="tr-TR" sz="2800" dirty="0" smtClean="0"/>
               <a:t>', 'JJ'), ('</a:t>
             </a:r>
             <a:r>
-              <a:rPr lang="tr-TR" dirty="0" err="1" smtClean="0"/>
+              <a:rPr lang="tr-TR" sz="2800" dirty="0" err="1" smtClean="0"/>
               <a:t>tool</a:t>
             </a:r>
             <a:r>
-              <a:rPr lang="tr-TR" dirty="0" smtClean="0"/>
+              <a:rPr lang="tr-TR" sz="2800" dirty="0" smtClean="0"/>
               <a:t>', 'NN')]</a:t>
             </a:r>
           </a:p>
           <a:p>
             <a:pPr lvl="2"/>
             <a:r>
-              <a:rPr lang="tr-TR" dirty="0" smtClean="0"/>
+              <a:rPr lang="tr-TR" sz="2400" dirty="0" smtClean="0"/>
               <a:t>DT: </a:t>
             </a:r>
             <a:r>
-              <a:rPr lang="tr-TR" dirty="0" err="1" smtClean="0"/>
+              <a:rPr lang="tr-TR" sz="2400" dirty="0" err="1" smtClean="0"/>
               <a:t>Determiner</a:t>
             </a:r>
-            <a:endParaRPr lang="tr-TR" dirty="0" smtClean="0"/>
+            <a:endParaRPr lang="tr-TR" sz="2400" dirty="0" smtClean="0"/>
           </a:p>
           <a:p>
             <a:pPr lvl="2"/>
             <a:r>
-              <a:rPr lang="tr-TR" dirty="0" smtClean="0"/>
+              <a:rPr lang="tr-TR" sz="2400" dirty="0" smtClean="0"/>
               <a:t>VBZ: 3rd </a:t>
             </a:r>
             <a:r>
-              <a:rPr lang="tr-TR" dirty="0" err="1" smtClean="0"/>
+              <a:rPr lang="tr-TR" sz="2400" dirty="0" err="1" smtClean="0"/>
               <a:t>person</a:t>
             </a:r>
             <a:r>
-              <a:rPr lang="tr-TR" dirty="0" smtClean="0"/>
+              <a:rPr lang="tr-TR" sz="2400" dirty="0" smtClean="0"/>
               <a:t> </a:t>
             </a:r>
             <a:r>
-              <a:rPr lang="tr-TR" dirty="0" err="1" smtClean="0"/>
+              <a:rPr lang="tr-TR" sz="2400" dirty="0" err="1" smtClean="0"/>
               <a:t>singular</a:t>
             </a:r>
             <a:r>
-              <a:rPr lang="tr-TR" dirty="0" smtClean="0"/>
+              <a:rPr lang="tr-TR" sz="2400" dirty="0" smtClean="0"/>
               <a:t> </a:t>
             </a:r>
             <a:r>
-              <a:rPr lang="tr-TR" dirty="0" err="1" smtClean="0"/>
+              <a:rPr lang="tr-TR" sz="2400" dirty="0" err="1" smtClean="0"/>
               <a:t>present</a:t>
             </a:r>
-            <a:endParaRPr lang="tr-TR" dirty="0" smtClean="0"/>
+            <a:endParaRPr lang="tr-TR" sz="2400" dirty="0" smtClean="0"/>
           </a:p>
           <a:p>
             <a:pPr lvl="2"/>
             <a:r>
-              <a:rPr lang="tr-TR" dirty="0" smtClean="0"/>
+              <a:rPr lang="tr-TR" sz="2400" dirty="0" smtClean="0"/>
               <a:t>RB: </a:t>
             </a:r>
             <a:r>
-              <a:rPr lang="tr-TR" dirty="0" err="1" smtClean="0"/>
+              <a:rPr lang="tr-TR" sz="2400" dirty="0" err="1" smtClean="0"/>
               <a:t>Adverb</a:t>
             </a:r>
-            <a:endParaRPr lang="tr-TR" dirty="0" smtClean="0"/>
+            <a:endParaRPr lang="tr-TR" sz="2400" dirty="0" smtClean="0"/>
           </a:p>
           <a:p>
             <a:pPr lvl="2"/>
             <a:r>
-              <a:rPr lang="tr-TR" dirty="0" smtClean="0"/>
+              <a:rPr lang="tr-TR" sz="2400" dirty="0" smtClean="0"/>
               <a:t>JJ: </a:t>
             </a:r>
             <a:r>
-              <a:rPr lang="tr-TR" dirty="0" err="1" smtClean="0"/>
+              <a:rPr lang="tr-TR" sz="2400" dirty="0" err="1" smtClean="0"/>
               <a:t>Adjective</a:t>
             </a:r>
-            <a:endParaRPr lang="tr-TR" dirty="0" smtClean="0"/>
+            <a:endParaRPr lang="tr-TR" sz="2400" dirty="0" smtClean="0"/>
           </a:p>
           <a:p>
             <a:pPr lvl="2"/>
             <a:r>
-              <a:rPr lang="tr-TR" dirty="0" smtClean="0"/>
+              <a:rPr lang="tr-TR" sz="2400" dirty="0" smtClean="0"/>
               <a:t>NN: </a:t>
             </a:r>
             <a:r>
-              <a:rPr lang="tr-TR" dirty="0" err="1" smtClean="0"/>
+              <a:rPr lang="tr-TR" sz="2400" dirty="0" err="1" smtClean="0"/>
               <a:t>Noun</a:t>
             </a:r>
-            <a:endParaRPr lang="tr-TR" dirty="0" smtClean="0"/>
+            <a:endParaRPr lang="tr-TR" sz="2400" dirty="0" smtClean="0"/>
           </a:p>
           <a:p>
             <a:endParaRPr lang="tr-TR" dirty="0" smtClean="0"/>
@@ -4740,72 +4885,72 @@
           </a:p>
           <a:p>
             <a:r>
-              <a:rPr lang="en-US" dirty="0" smtClean="0"/>
+              <a:rPr lang="en-US" sz="2800" dirty="0" smtClean="0"/>
               <a:t>Chunking</a:t>
             </a:r>
           </a:p>
           <a:p>
             <a:pPr lvl="1"/>
             <a:r>
-              <a:rPr lang="en-US" dirty="0" smtClean="0"/>
+              <a:rPr lang="en-US" sz="2800" dirty="0" smtClean="0"/>
               <a:t>Have: “I saw the big dog on the hill”</a:t>
             </a:r>
           </a:p>
           <a:p>
             <a:pPr lvl="1"/>
             <a:r>
-              <a:rPr lang="en-US" dirty="0" smtClean="0"/>
+              <a:rPr lang="en-US" sz="2800" dirty="0" smtClean="0"/>
               <a:t>Get: </a:t>
             </a:r>
           </a:p>
           <a:p>
             <a:pPr lvl="2"/>
             <a:r>
-              <a:rPr lang="en-US" dirty="0" smtClean="0"/>
+              <a:rPr lang="en-US" sz="2400" dirty="0" smtClean="0"/>
               <a:t>SENTENCE:</a:t>
             </a:r>
           </a:p>
           <a:p>
             <a:pPr lvl="3"/>
             <a:r>
-              <a:rPr lang="en-US" dirty="0" smtClean="0"/>
+              <a:rPr lang="en-US" sz="2000" dirty="0" smtClean="0"/>
               <a:t>(NP: &lt;I&gt;)</a:t>
             </a:r>
           </a:p>
           <a:p>
             <a:pPr lvl="3"/>
             <a:r>
-              <a:rPr lang="en-US" dirty="0" smtClean="0"/>
+              <a:rPr lang="en-US" sz="2000" dirty="0" smtClean="0"/>
               <a:t>&lt;saw&gt;</a:t>
             </a:r>
           </a:p>
           <a:p>
             <a:pPr lvl="3"/>
             <a:r>
-              <a:rPr lang="en-US" dirty="0" smtClean="0"/>
+              <a:rPr lang="en-US" sz="2000" dirty="0" smtClean="0"/>
               <a:t>(NP: &lt;the&gt; &lt;big&gt; &lt;dog&gt;)</a:t>
             </a:r>
           </a:p>
           <a:p>
             <a:pPr lvl="3"/>
             <a:r>
-              <a:rPr lang="en-US" dirty="0" smtClean="0"/>
+              <a:rPr lang="en-US" sz="2000" dirty="0" smtClean="0"/>
               <a:t>&lt;on&gt;</a:t>
             </a:r>
           </a:p>
           <a:p>
             <a:pPr lvl="3"/>
             <a:r>
-              <a:rPr lang="en-US" dirty="0" smtClean="0"/>
+              <a:rPr lang="en-US" sz="2000" dirty="0" smtClean="0"/>
               <a:t>(NP: &lt;the&gt; &lt;hill&gt;))</a:t>
             </a:r>
           </a:p>
           <a:p>
             <a:r>
-              <a:rPr lang="en-US" dirty="0" smtClean="0"/>
+              <a:rPr lang="en-US" sz="2800" dirty="0" smtClean="0"/>
               <a:t>Stemming</a:t>
             </a:r>
-            <a:endParaRPr lang="en-US" dirty="0"/>
+            <a:endParaRPr lang="en-US" sz="2800" dirty="0"/>
           </a:p>
         </p:txBody>
       </p:sp>
@@ -4876,56 +5021,56 @@
           </a:p>
           <a:p>
             <a:r>
-              <a:rPr lang="en-US" sz="3600" dirty="0" smtClean="0"/>
+              <a:rPr lang="en-US" sz="3900" dirty="0" smtClean="0"/>
               <a:t>Sentiment Classification</a:t>
             </a:r>
           </a:p>
           <a:p>
             <a:pPr lvl="1"/>
             <a:r>
-              <a:rPr lang="en-US" sz="3600" dirty="0" smtClean="0"/>
+              <a:rPr lang="en-US" sz="3900" dirty="0" smtClean="0"/>
               <a:t>Naïve Bayes Classifier</a:t>
             </a:r>
           </a:p>
           <a:p>
             <a:pPr lvl="2"/>
             <a:r>
-              <a:rPr lang="en-US" sz="3600" dirty="0" smtClean="0"/>
+              <a:rPr lang="en-US" sz="3900" dirty="0" smtClean="0"/>
               <a:t>Feature Extractor</a:t>
             </a:r>
           </a:p>
           <a:p>
             <a:pPr lvl="2"/>
             <a:r>
-              <a:rPr lang="en-US" sz="3600" dirty="0" smtClean="0"/>
+              <a:rPr lang="en-US" sz="3900" dirty="0" smtClean="0"/>
               <a:t>Train and test data</a:t>
             </a:r>
           </a:p>
           <a:p>
             <a:pPr lvl="2"/>
             <a:r>
-              <a:rPr lang="en-US" sz="3600" dirty="0" smtClean="0"/>
+              <a:rPr lang="en-US" sz="3900" dirty="0" smtClean="0"/>
               <a:t>Accuracy</a:t>
             </a:r>
           </a:p>
           <a:p>
             <a:pPr lvl="2"/>
             <a:r>
-              <a:rPr lang="en-US" sz="3600" dirty="0" smtClean="0"/>
+              <a:rPr lang="en-US" sz="3900" dirty="0" smtClean="0"/>
               <a:t>Probability</a:t>
             </a:r>
           </a:p>
           <a:p>
             <a:pPr lvl="1"/>
             <a:r>
-              <a:rPr lang="en-US" sz="3600" dirty="0" smtClean="0"/>
+              <a:rPr lang="en-US" sz="3900" dirty="0" smtClean="0"/>
               <a:t>Positive Naïve Bayes Classifier</a:t>
             </a:r>
           </a:p>
           <a:p>
             <a:pPr lvl="1"/>
             <a:r>
-              <a:rPr lang="en-US" sz="3600" dirty="0" smtClean="0"/>
+              <a:rPr lang="en-US" sz="3900" dirty="0" smtClean="0"/>
               <a:t>Support Vector</a:t>
             </a:r>
           </a:p>
@@ -4977,7 +5122,7 @@
         </p:nvSpPr>
         <p:spPr>
           <a:xfrm>
-            <a:off x="586368" y="274638"/>
+            <a:off x="371088" y="403782"/>
             <a:ext cx="7938703" cy="952215"/>
           </a:xfrm>
         </p:spPr>
@@ -5005,7 +5150,7 @@
         </p:nvSpPr>
         <p:spPr>
           <a:xfrm>
-            <a:off x="1786819" y="1894078"/>
+            <a:off x="129165" y="2453706"/>
             <a:ext cx="5489631" cy="947055"/>
           </a:xfrm>
         </p:spPr>
@@ -5042,7 +5187,7 @@
         </p:blipFill>
         <p:spPr>
           <a:xfrm>
-            <a:off x="2577791" y="3594475"/>
+            <a:off x="1544447" y="3594475"/>
             <a:ext cx="4237243" cy="1064857"/>
           </a:xfrm>
           <a:prstGeom prst="rect">
@@ -5525,52 +5670,52 @@
 </file>
 
 <file path=ppt/theme/theme1.xml><?xml version="1.0" encoding="utf-8"?>
-<a:theme xmlns:a="http://schemas.openxmlformats.org/drawingml/2006/main" name="Office Theme">
+<a:theme xmlns:a="http://schemas.openxmlformats.org/drawingml/2006/main" name="Adjacency">
   <a:themeElements>
-    <a:clrScheme name="Office">
+    <a:clrScheme name="Adjacency">
       <a:dk1>
-        <a:sysClr val="windowText" lastClr="000000"/>
+        <a:srgbClr val="2F2B20"/>
       </a:dk1>
       <a:lt1>
-        <a:sysClr val="window" lastClr="FFFFFF"/>
+        <a:srgbClr val="FFFFFF"/>
       </a:lt1>
       <a:dk2>
-        <a:srgbClr val="1F497D"/>
+        <a:srgbClr val="675E47"/>
       </a:dk2>
       <a:lt2>
-        <a:srgbClr val="EEECE1"/>
+        <a:srgbClr val="DFDCB7"/>
       </a:lt2>
       <a:accent1>
-        <a:srgbClr val="4F81BD"/>
+        <a:srgbClr val="A9A57C"/>
       </a:accent1>
       <a:accent2>
-        <a:srgbClr val="C0504D"/>
+        <a:srgbClr val="9CBEBD"/>
       </a:accent2>
       <a:accent3>
-        <a:srgbClr val="9BBB59"/>
+        <a:srgbClr val="D2CB6C"/>
       </a:accent3>
       <a:accent4>
-        <a:srgbClr val="8064A2"/>
+        <a:srgbClr val="95A39D"/>
       </a:accent4>
       <a:accent5>
-        <a:srgbClr val="4BACC6"/>
+        <a:srgbClr val="C89F5D"/>
       </a:accent5>
       <a:accent6>
-        <a:srgbClr val="F79646"/>
+        <a:srgbClr val="B1A089"/>
       </a:accent6>
       <a:hlink>
-        <a:srgbClr val="0000FF"/>
+        <a:srgbClr val="D25814"/>
       </a:hlink>
       <a:folHlink>
-        <a:srgbClr val="800080"/>
+        <a:srgbClr val="849A0A"/>
       </a:folHlink>
     </a:clrScheme>
-    <a:fontScheme name="Office">
+    <a:fontScheme name="Adjacency">
       <a:majorFont>
-        <a:latin typeface="Calibri"/>
+        <a:latin typeface="Cambria"/>
         <a:ea typeface=""/>
         <a:cs typeface=""/>
-        <a:font script="Jpan" typeface="ＭＳ Ｐゴシック"/>
+        <a:font script="Jpan" typeface="ＭＳ ゴシック"/>
         <a:font script="Hang" typeface="맑은 고딕"/>
         <a:font script="Hans" typeface="宋体"/>
         <a:font script="Hant" typeface="新細明體"/>
@@ -5605,7 +5750,7 @@
         <a:latin typeface="Calibri"/>
         <a:ea typeface=""/>
         <a:cs typeface=""/>
-        <a:font script="Jpan" typeface="ＭＳ Ｐゴシック"/>
+        <a:font script="Jpan" typeface="ＭＳ 明朝"/>
         <a:font script="Hang" typeface="맑은 고딕"/>
         <a:font script="Hans" typeface="宋体"/>
         <a:font script="Hant" typeface="新細明體"/>
@@ -5637,56 +5782,22 @@
         <a:font script="Geor" typeface="Sylfaen"/>
       </a:minorFont>
     </a:fontScheme>
-    <a:fmtScheme name="Office">
+    <a:fmtScheme name="Adjacency">
       <a:fillStyleLst>
         <a:solidFill>
           <a:schemeClr val="phClr"/>
         </a:solidFill>
-        <a:gradFill rotWithShape="1">
-          <a:gsLst>
-            <a:gs pos="0">
-              <a:schemeClr val="phClr">
-                <a:tint val="50000"/>
-                <a:satMod val="300000"/>
-              </a:schemeClr>
-            </a:gs>
-            <a:gs pos="35000">
-              <a:schemeClr val="phClr">
-                <a:tint val="37000"/>
-                <a:satMod val="300000"/>
-              </a:schemeClr>
-            </a:gs>
-            <a:gs pos="100000">
-              <a:schemeClr val="phClr">
-                <a:tint val="15000"/>
-                <a:satMod val="350000"/>
-              </a:schemeClr>
-            </a:gs>
-          </a:gsLst>
-          <a:lin ang="16200000" scaled="1"/>
-        </a:gradFill>
-        <a:gradFill rotWithShape="1">
-          <a:gsLst>
-            <a:gs pos="0">
-              <a:schemeClr val="phClr">
-                <a:tint val="100000"/>
-                <a:shade val="100000"/>
-                <a:satMod val="130000"/>
-              </a:schemeClr>
-            </a:gs>
-            <a:gs pos="100000">
-              <a:schemeClr val="phClr">
-                <a:tint val="50000"/>
-                <a:shade val="100000"/>
-                <a:satMod val="350000"/>
-              </a:schemeClr>
-            </a:gs>
-          </a:gsLst>
-          <a:lin ang="16200000" scaled="0"/>
-        </a:gradFill>
+        <a:solidFill>
+          <a:schemeClr val="phClr">
+            <a:tint val="55000"/>
+          </a:schemeClr>
+        </a:solidFill>
+        <a:solidFill>
+          <a:schemeClr val="phClr"/>
+        </a:solidFill>
       </a:fillStyleLst>
       <a:lnStyleLst>
-        <a:ln w="9525" cap="flat" cmpd="sng" algn="ctr">
+        <a:ln w="12700" cap="flat" cmpd="sng" algn="ctr">
           <a:solidFill>
             <a:schemeClr val="phClr">
               <a:shade val="95000"/>
@@ -5710,41 +5821,35 @@
       </a:lnStyleLst>
       <a:effectStyleLst>
         <a:effectStyle>
+          <a:effectLst/>
+        </a:effectStyle>
+        <a:effectStyle>
           <a:effectLst>
-            <a:outerShdw blurRad="40000" dist="20000" dir="5400000" rotWithShape="0">
+            <a:outerShdw blurRad="50800" dist="25400" algn="bl" rotWithShape="0">
               <a:srgbClr val="000000">
-                <a:alpha val="38000"/>
+                <a:alpha val="60000"/>
               </a:srgbClr>
             </a:outerShdw>
           </a:effectLst>
         </a:effectStyle>
         <a:effectStyle>
-          <a:effectLst>
-            <a:outerShdw blurRad="40000" dist="23000" dir="5400000" rotWithShape="0">
-              <a:srgbClr val="000000">
-                <a:alpha val="35000"/>
-              </a:srgbClr>
-            </a:outerShdw>
-          </a:effectLst>
-        </a:effectStyle>
-        <a:effectStyle>
-          <a:effectLst>
-            <a:outerShdw blurRad="40000" dist="23000" dir="5400000" rotWithShape="0">
-              <a:srgbClr val="000000">
-                <a:alpha val="35000"/>
-              </a:srgbClr>
-            </a:outerShdw>
-          </a:effectLst>
+          <a:effectLst/>
           <a:scene3d>
             <a:camera prst="orthographicFront">
               <a:rot lat="0" lon="0" rev="0"/>
             </a:camera>
-            <a:lightRig rig="threePt" dir="t">
-              <a:rot lat="0" lon="0" rev="1200000"/>
+            <a:lightRig rig="brightRoom" dir="tl">
+              <a:rot lat="0" lon="0" rev="1800000"/>
             </a:lightRig>
           </a:scene3d>
-          <a:sp3d>
-            <a:bevelT w="63500" h="25400"/>
+          <a:sp3d contourW="10160" prstMaterial="dkEdge">
+            <a:bevelT w="38100" h="50800" prst="angle"/>
+            <a:contourClr>
+              <a:schemeClr val="phClr">
+                <a:shade val="40000"/>
+                <a:satMod val="150000"/>
+              </a:schemeClr>
+            </a:contourClr>
           </a:sp3d>
         </a:effectStyle>
       </a:effectStyleLst>
@@ -5756,90 +5861,43 @@
           <a:gsLst>
             <a:gs pos="0">
               <a:schemeClr val="phClr">
-                <a:tint val="40000"/>
-                <a:satMod val="350000"/>
+                <a:tint val="90000"/>
               </a:schemeClr>
             </a:gs>
-            <a:gs pos="40000">
+            <a:gs pos="75000">
               <a:schemeClr val="phClr">
-                <a:tint val="45000"/>
-                <a:shade val="99000"/>
-                <a:satMod val="350000"/>
+                <a:shade val="100000"/>
+                <a:satMod val="115000"/>
               </a:schemeClr>
             </a:gs>
             <a:gs pos="100000">
               <a:schemeClr val="phClr">
-                <a:shade val="20000"/>
-                <a:satMod val="255000"/>
+                <a:shade val="70000"/>
+                <a:satMod val="130000"/>
               </a:schemeClr>
             </a:gs>
           </a:gsLst>
           <a:path path="circle">
-            <a:fillToRect l="50000" t="-80000" r="50000" b="180000"/>
+            <a:fillToRect l="20000" t="50000" r="100000" b="50000"/>
           </a:path>
         </a:gradFill>
-        <a:gradFill rotWithShape="1">
-          <a:gsLst>
-            <a:gs pos="0">
+        <a:blipFill rotWithShape="1">
+          <a:blip xmlns:r="http://schemas.openxmlformats.org/officeDocument/2006/relationships" r:embed="rId1">
+            <a:duotone>
               <a:schemeClr val="phClr">
-                <a:tint val="80000"/>
-                <a:satMod val="300000"/>
+                <a:tint val="97000"/>
               </a:schemeClr>
-            </a:gs>
-            <a:gs pos="100000">
               <a:schemeClr val="phClr">
-                <a:shade val="30000"/>
-                <a:satMod val="200000"/>
+                <a:shade val="96000"/>
               </a:schemeClr>
-            </a:gs>
-          </a:gsLst>
-          <a:path path="circle">
-            <a:fillToRect l="50000" t="50000" r="50000" b="50000"/>
-          </a:path>
-        </a:gradFill>
+            </a:duotone>
+          </a:blip>
+          <a:tile tx="0" ty="0" sx="32000" sy="32000" flip="none" algn="tl"/>
+        </a:blipFill>
       </a:bgFillStyleLst>
     </a:fmtScheme>
   </a:themeElements>
-  <a:objectDefaults>
-    <a:spDef>
-      <a:spPr/>
-      <a:bodyPr/>
-      <a:lstStyle/>
-      <a:style>
-        <a:lnRef idx="1">
-          <a:schemeClr val="accent1"/>
-        </a:lnRef>
-        <a:fillRef idx="3">
-          <a:schemeClr val="accent1"/>
-        </a:fillRef>
-        <a:effectRef idx="2">
-          <a:schemeClr val="accent1"/>
-        </a:effectRef>
-        <a:fontRef idx="minor">
-          <a:schemeClr val="lt1"/>
-        </a:fontRef>
-      </a:style>
-    </a:spDef>
-    <a:lnDef>
-      <a:spPr/>
-      <a:bodyPr/>
-      <a:lstStyle/>
-      <a:style>
-        <a:lnRef idx="2">
-          <a:schemeClr val="accent1"/>
-        </a:lnRef>
-        <a:fillRef idx="0">
-          <a:schemeClr val="accent1"/>
-        </a:fillRef>
-        <a:effectRef idx="1">
-          <a:schemeClr val="accent1"/>
-        </a:effectRef>
-        <a:fontRef idx="minor">
-          <a:schemeClr val="tx1"/>
-        </a:fontRef>
-      </a:style>
-    </a:lnDef>
-  </a:objectDefaults>
+  <a:objectDefaults/>
   <a:extraClrSchemeLst/>
 </a:theme>
 </file>
